--- a/source/lessons/lsn19/Lsn19.pptx
+++ b/source/lessons/lsn19/Lsn19.pptx
@@ -1650,7 +1650,7 @@
           <a:p>
             <a:fld id="{834513E8-165F-4932-9E2D-FD497CB9A4FD}" type="datetimeFigureOut">
               <a:rPr lang="en-US" smtClean="0"/>
-              <a:t>6/5/2018</a:t>
+              <a:t>7/9/2018</a:t>
             </a:fld>
             <a:endParaRPr lang="en-US"/>
           </a:p>
@@ -1768,7 +1768,7 @@
           <a:p>
             <a:fld id="{834513E8-165F-4932-9E2D-FD497CB9A4FD}" type="datetimeFigureOut">
               <a:rPr lang="en-US" smtClean="0"/>
-              <a:t>6/5/2018</a:t>
+              <a:t>7/9/2018</a:t>
             </a:fld>
             <a:endParaRPr lang="en-US"/>
           </a:p>
@@ -1863,7 +1863,7 @@
           <a:p>
             <a:fld id="{834513E8-165F-4932-9E2D-FD497CB9A4FD}" type="datetimeFigureOut">
               <a:rPr lang="en-US" smtClean="0"/>
-              <a:t>6/5/2018</a:t>
+              <a:t>7/9/2018</a:t>
             </a:fld>
             <a:endParaRPr lang="en-US"/>
           </a:p>
@@ -2140,7 +2140,7 @@
           <a:p>
             <a:fld id="{834513E8-165F-4932-9E2D-FD497CB9A4FD}" type="datetimeFigureOut">
               <a:rPr lang="en-US" smtClean="0"/>
-              <a:t>6/5/2018</a:t>
+              <a:t>7/9/2018</a:t>
             </a:fld>
             <a:endParaRPr lang="en-US"/>
           </a:p>
@@ -2393,7 +2393,7 @@
           <a:p>
             <a:fld id="{834513E8-165F-4932-9E2D-FD497CB9A4FD}" type="datetimeFigureOut">
               <a:rPr lang="en-US" smtClean="0"/>
-              <a:t>6/5/2018</a:t>
+              <a:t>7/9/2018</a:t>
             </a:fld>
             <a:endParaRPr lang="en-US"/>
           </a:p>
@@ -2563,7 +2563,7 @@
           <a:p>
             <a:fld id="{834513E8-165F-4932-9E2D-FD497CB9A4FD}" type="datetimeFigureOut">
               <a:rPr lang="en-US" smtClean="0"/>
-              <a:t>6/5/2018</a:t>
+              <a:t>7/9/2018</a:t>
             </a:fld>
             <a:endParaRPr lang="en-US"/>
           </a:p>
@@ -2743,7 +2743,7 @@
           <a:p>
             <a:fld id="{834513E8-165F-4932-9E2D-FD497CB9A4FD}" type="datetimeFigureOut">
               <a:rPr lang="en-US" smtClean="0"/>
-              <a:t>6/5/2018</a:t>
+              <a:t>7/9/2018</a:t>
             </a:fld>
             <a:endParaRPr lang="en-US"/>
           </a:p>
@@ -3855,7 +3855,7 @@
           <a:p>
             <a:fld id="{834513E8-165F-4932-9E2D-FD497CB9A4FD}" type="datetimeFigureOut">
               <a:rPr lang="en-US" smtClean="0"/>
-              <a:t>6/5/2018</a:t>
+              <a:t>7/9/2018</a:t>
             </a:fld>
             <a:endParaRPr lang="en-US"/>
           </a:p>
@@ -4025,7 +4025,7 @@
           <a:p>
             <a:fld id="{834513E8-165F-4932-9E2D-FD497CB9A4FD}" type="datetimeFigureOut">
               <a:rPr lang="en-US" smtClean="0"/>
-              <a:t>6/5/2018</a:t>
+              <a:t>7/9/2018</a:t>
             </a:fld>
             <a:endParaRPr lang="en-US"/>
           </a:p>
@@ -4271,7 +4271,7 @@
           <a:p>
             <a:fld id="{834513E8-165F-4932-9E2D-FD497CB9A4FD}" type="datetimeFigureOut">
               <a:rPr lang="en-US" smtClean="0"/>
-              <a:t>6/5/2018</a:t>
+              <a:t>7/9/2018</a:t>
             </a:fld>
             <a:endParaRPr lang="en-US"/>
           </a:p>
@@ -4503,7 +4503,7 @@
           <a:p>
             <a:fld id="{834513E8-165F-4932-9E2D-FD497CB9A4FD}" type="datetimeFigureOut">
               <a:rPr lang="en-US" smtClean="0"/>
-              <a:t>6/5/2018</a:t>
+              <a:t>7/9/2018</a:t>
             </a:fld>
             <a:endParaRPr lang="en-US"/>
           </a:p>
@@ -6321,7 +6321,7 @@
           <a:p>
             <a:fld id="{834513E8-165F-4932-9E2D-FD497CB9A4FD}" type="datetimeFigureOut">
               <a:rPr lang="en-US" smtClean="0"/>
-              <a:t>6/5/2018</a:t>
+              <a:t>7/9/2018</a:t>
             </a:fld>
             <a:endParaRPr lang="en-US"/>
           </a:p>
@@ -6956,14 +6956,7 @@
                 <a:effectLst/>
                 <a:latin typeface="Trebuchet MS" panose="020B0603020202020204" pitchFamily="34" charset="0"/>
               </a:rPr>
-              <a:t>Lesson </a:t>
-            </a:r>
-            <a:r>
-              <a:rPr lang="en-US" kern="0" dirty="0" smtClean="0">
-                <a:effectLst/>
-                <a:latin typeface="Trebuchet MS" panose="020B0603020202020204" pitchFamily="34" charset="0"/>
-              </a:rPr>
-              <a:t>19</a:t>
+              <a:t>Lesson 19</a:t>
             </a:r>
             <a:endParaRPr lang="en-US" kern="0" dirty="0">
               <a:effectLst/>
@@ -13599,7 +13592,7 @@
         </p:nvGraphicFramePr>
         <p:xfrm>
           <a:off x="459223" y="1194519"/>
-          <a:ext cx="7772400" cy="3291840"/>
+          <a:ext cx="7772400" cy="3566160"/>
         </p:xfrm>
         <a:graphic>
           <a:graphicData uri="http://schemas.openxmlformats.org/drawingml/2006/table">
@@ -20174,11 +20167,6 @@
               </a:rPr>
               <a:t>Portability </a:t>
             </a:r>
-            <a:endParaRPr lang="en-US" sz="2200" dirty="0" smtClean="0">
-              <a:solidFill>
-                <a:srgbClr val="0070C0"/>
-              </a:solidFill>
-            </a:endParaRPr>
           </a:p>
           <a:p>
             <a:pPr lvl="2"/>
@@ -21541,11 +21529,7 @@
             </a:pPr>
             <a:r>
               <a:rPr lang="en-US" sz="2400" dirty="0" smtClean="0"/>
-              <a:t>     </a:t>
-            </a:r>
-            <a:r>
-              <a:rPr lang="en-US" sz="2400" dirty="0" smtClean="0"/>
-              <a:t> </a:t>
+              <a:t>      </a:t>
             </a:r>
             <a:r>
               <a:rPr lang="en-US" sz="2400" dirty="0" smtClean="0">
@@ -21562,16 +21546,7 @@
                 </a:solidFill>
                 <a:sym typeface="Wingdings" pitchFamily="2" charset="2"/>
               </a:rPr>
-              <a:t>     </a:t>
-            </a:r>
-            <a:r>
-              <a:rPr lang="en-US" sz="2400" dirty="0" smtClean="0">
-                <a:solidFill>
-                  <a:srgbClr val="FF0000"/>
-                </a:solidFill>
-                <a:sym typeface="Wingdings" pitchFamily="2" charset="2"/>
-              </a:rPr>
-              <a:t>Portable</a:t>
+              <a:t>     Portable</a:t>
             </a:r>
             <a:endParaRPr lang="en-US" sz="2000" dirty="0" smtClean="0">
               <a:solidFill>
@@ -21639,14 +21614,14 @@
           <p:nvPr>
             <p:extLst>
               <p:ext uri="{D42A27DB-BD31-4B8C-83A1-F6EECF244321}">
-                <p14:modId xmlns:p14="http://schemas.microsoft.com/office/powerpoint/2010/main" val="266313664"/>
+                <p14:modId xmlns:p14="http://schemas.microsoft.com/office/powerpoint/2010/main" val="4204910815"/>
               </p:ext>
             </p:extLst>
           </p:nvPr>
         </p:nvGraphicFramePr>
         <p:xfrm>
           <a:off x="1044127" y="2630725"/>
-          <a:ext cx="3378031" cy="1703070"/>
+          <a:ext cx="3701294" cy="1703070"/>
         </p:xfrm>
         <a:graphic>
           <a:graphicData uri="http://schemas.openxmlformats.org/drawingml/2006/table">
@@ -21655,9 +21630,9 @@
                 <a:tableStyleId>{5C22544A-7EE6-4342-B048-85BDC9FD1C3A}</a:tableStyleId>
               </a:tblPr>
               <a:tblGrid>
-                <a:gridCol w="1225193"/>
-                <a:gridCol w="1015159"/>
-                <a:gridCol w="1137679"/>
+                <a:gridCol w="1342439"/>
+                <a:gridCol w="1112305"/>
+                <a:gridCol w="1246550"/>
               </a:tblGrid>
               <a:tr h="190500">
                 <a:tc>
@@ -21667,7 +21642,7 @@
                     <a:p>
                       <a:pPr algn="ctr" fontAlgn="b"/>
                       <a:r>
-                        <a:rPr lang="en-US" sz="1800" u="none" strike="noStrike">
+                        <a:rPr lang="en-US" sz="1800" u="none" strike="noStrike" dirty="0">
                           <a:solidFill>
                             <a:srgbClr val="0070C0"/>
                           </a:solidFill>
@@ -21675,7 +21650,7 @@
                         </a:rPr>
                         <a:t>Compiled</a:t>
                       </a:r>
-                      <a:endParaRPr lang="en-US" sz="1800" b="1" i="0" u="none" strike="noStrike">
+                      <a:endParaRPr lang="en-US" sz="1800" b="1" i="0" u="none" strike="noStrike" dirty="0">
                         <a:solidFill>
                           <a:srgbClr val="0070C0"/>
                         </a:solidFill>
@@ -21912,12 +21887,12 @@
                     <a:p>
                       <a:pPr algn="ctr" fontAlgn="b"/>
                       <a:r>
-                        <a:rPr lang="en-US" sz="1800" u="none" strike="noStrike">
+                        <a:rPr lang="en-US" sz="1800" u="none" strike="noStrike" dirty="0">
                           <a:effectLst/>
                         </a:rPr>
                         <a:t> </a:t>
                       </a:r>
-                      <a:endParaRPr lang="en-US" sz="1800" b="0" i="0" u="none" strike="noStrike">
+                      <a:endParaRPr lang="en-US" sz="1800" b="0" i="0" u="none" strike="noStrike" dirty="0">
                         <a:solidFill>
                           <a:srgbClr val="000000"/>
                         </a:solidFill>
@@ -21983,12 +21958,12 @@
                     <a:p>
                       <a:pPr algn="l" fontAlgn="b"/>
                       <a:r>
-                        <a:rPr lang="en-US" sz="1800" u="none" strike="noStrike">
+                        <a:rPr lang="en-US" sz="1800" u="none" strike="noStrike" dirty="0">
                           <a:effectLst/>
                         </a:rPr>
                         <a:t> </a:t>
                       </a:r>
-                      <a:endParaRPr lang="en-US" sz="1800" b="0" i="0" u="none" strike="noStrike">
+                      <a:endParaRPr lang="en-US" sz="1800" b="0" i="0" u="none" strike="noStrike" dirty="0">
                         <a:solidFill>
                           <a:srgbClr val="000000"/>
                         </a:solidFill>
@@ -22006,12 +21981,12 @@
                     <a:p>
                       <a:pPr algn="ctr" fontAlgn="b"/>
                       <a:r>
-                        <a:rPr lang="en-US" sz="1800" u="none" strike="noStrike">
+                        <a:rPr lang="en-US" sz="1800" u="none" strike="noStrike" dirty="0" err="1" smtClean="0">
                           <a:effectLst/>
                         </a:rPr>
-                        <a:t>Scheme</a:t>
+                        <a:t>Javascript</a:t>
                       </a:r>
-                      <a:endParaRPr lang="en-US" sz="1800" b="0" i="0" u="none" strike="noStrike">
+                      <a:endParaRPr lang="en-US" sz="1800" b="0" i="0" u="none" strike="noStrike" dirty="0">
                         <a:solidFill>
                           <a:srgbClr val="000000"/>
                         </a:solidFill>

--- a/source/lessons/lsn19/Lsn19.pptx
+++ b/source/lessons/lsn19/Lsn19.pptx
@@ -1650,7 +1650,7 @@
           <a:p>
             <a:fld id="{834513E8-165F-4932-9E2D-FD497CB9A4FD}" type="datetimeFigureOut">
               <a:rPr lang="en-US" smtClean="0"/>
-              <a:t>7/9/2018</a:t>
+              <a:t>7/23/2018</a:t>
             </a:fld>
             <a:endParaRPr lang="en-US"/>
           </a:p>
@@ -1768,7 +1768,7 @@
           <a:p>
             <a:fld id="{834513E8-165F-4932-9E2D-FD497CB9A4FD}" type="datetimeFigureOut">
               <a:rPr lang="en-US" smtClean="0"/>
-              <a:t>7/9/2018</a:t>
+              <a:t>7/23/2018</a:t>
             </a:fld>
             <a:endParaRPr lang="en-US"/>
           </a:p>
@@ -1863,7 +1863,7 @@
           <a:p>
             <a:fld id="{834513E8-165F-4932-9E2D-FD497CB9A4FD}" type="datetimeFigureOut">
               <a:rPr lang="en-US" smtClean="0"/>
-              <a:t>7/9/2018</a:t>
+              <a:t>7/23/2018</a:t>
             </a:fld>
             <a:endParaRPr lang="en-US"/>
           </a:p>
@@ -2140,7 +2140,7 @@
           <a:p>
             <a:fld id="{834513E8-165F-4932-9E2D-FD497CB9A4FD}" type="datetimeFigureOut">
               <a:rPr lang="en-US" smtClean="0"/>
-              <a:t>7/9/2018</a:t>
+              <a:t>7/23/2018</a:t>
             </a:fld>
             <a:endParaRPr lang="en-US"/>
           </a:p>
@@ -2393,7 +2393,7 @@
           <a:p>
             <a:fld id="{834513E8-165F-4932-9E2D-FD497CB9A4FD}" type="datetimeFigureOut">
               <a:rPr lang="en-US" smtClean="0"/>
-              <a:t>7/9/2018</a:t>
+              <a:t>7/23/2018</a:t>
             </a:fld>
             <a:endParaRPr lang="en-US"/>
           </a:p>
@@ -2563,7 +2563,7 @@
           <a:p>
             <a:fld id="{834513E8-165F-4932-9E2D-FD497CB9A4FD}" type="datetimeFigureOut">
               <a:rPr lang="en-US" smtClean="0"/>
-              <a:t>7/9/2018</a:t>
+              <a:t>7/23/2018</a:t>
             </a:fld>
             <a:endParaRPr lang="en-US"/>
           </a:p>
@@ -2743,7 +2743,7 @@
           <a:p>
             <a:fld id="{834513E8-165F-4932-9E2D-FD497CB9A4FD}" type="datetimeFigureOut">
               <a:rPr lang="en-US" smtClean="0"/>
-              <a:t>7/9/2018</a:t>
+              <a:t>7/23/2018</a:t>
             </a:fld>
             <a:endParaRPr lang="en-US"/>
           </a:p>
@@ -3855,7 +3855,7 @@
           <a:p>
             <a:fld id="{834513E8-165F-4932-9E2D-FD497CB9A4FD}" type="datetimeFigureOut">
               <a:rPr lang="en-US" smtClean="0"/>
-              <a:t>7/9/2018</a:t>
+              <a:t>7/23/2018</a:t>
             </a:fld>
             <a:endParaRPr lang="en-US"/>
           </a:p>
@@ -4025,7 +4025,7 @@
           <a:p>
             <a:fld id="{834513E8-165F-4932-9E2D-FD497CB9A4FD}" type="datetimeFigureOut">
               <a:rPr lang="en-US" smtClean="0"/>
-              <a:t>7/9/2018</a:t>
+              <a:t>7/23/2018</a:t>
             </a:fld>
             <a:endParaRPr lang="en-US"/>
           </a:p>
@@ -4271,7 +4271,7 @@
           <a:p>
             <a:fld id="{834513E8-165F-4932-9E2D-FD497CB9A4FD}" type="datetimeFigureOut">
               <a:rPr lang="en-US" smtClean="0"/>
-              <a:t>7/9/2018</a:t>
+              <a:t>7/23/2018</a:t>
             </a:fld>
             <a:endParaRPr lang="en-US"/>
           </a:p>
@@ -4503,7 +4503,7 @@
           <a:p>
             <a:fld id="{834513E8-165F-4932-9E2D-FD497CB9A4FD}" type="datetimeFigureOut">
               <a:rPr lang="en-US" smtClean="0"/>
-              <a:t>7/9/2018</a:t>
+              <a:t>7/23/2018</a:t>
             </a:fld>
             <a:endParaRPr lang="en-US"/>
           </a:p>
@@ -6321,7 +6321,7 @@
           <a:p>
             <a:fld id="{834513E8-165F-4932-9E2D-FD497CB9A4FD}" type="datetimeFigureOut">
               <a:rPr lang="en-US" smtClean="0"/>
-              <a:t>7/9/2018</a:t>
+              <a:t>7/23/2018</a:t>
             </a:fld>
             <a:endParaRPr lang="en-US"/>
           </a:p>
@@ -21415,6 +21415,84 @@
           <a:effectLst/>
         </p:spPr>
       </p:cxnSp>
+      <p:sp>
+        <p:nvSpPr>
+          <p:cNvPr id="33" name="12-Point Star 32"/>
+          <p:cNvSpPr/>
+          <p:nvPr/>
+        </p:nvSpPr>
+        <p:spPr bwMode="auto">
+          <a:xfrm>
+            <a:off x="7463443" y="4477386"/>
+            <a:ext cx="1576552" cy="1440699"/>
+          </a:xfrm>
+          <a:prstGeom prst="star12">
+            <a:avLst/>
+          </a:prstGeom>
+          <a:solidFill>
+            <a:srgbClr val="FFFF00"/>
+          </a:solidFill>
+          <a:ln w="12700" cap="flat" cmpd="sng" algn="ctr">
+            <a:solidFill>
+              <a:schemeClr val="tx1"/>
+            </a:solidFill>
+            <a:prstDash val="solid"/>
+            <a:round/>
+            <a:headEnd type="none" w="med" len="med"/>
+            <a:tailEnd type="none" w="med" len="med"/>
+          </a:ln>
+          <a:effectLst/>
+        </p:spPr>
+        <p:txBody>
+          <a:bodyPr vert="horz" wrap="square" lIns="91440" tIns="45720" rIns="91440" bIns="45720" numCol="1" rtlCol="0" anchor="t" anchorCtr="0" compatLnSpc="1">
+            <a:prstTxWarp prst="textNoShape">
+              <a:avLst/>
+            </a:prstTxWarp>
+          </a:bodyPr>
+          <a:lstStyle/>
+          <a:p>
+            <a:pPr marL="0" marR="0" indent="0" algn="ctr" defTabSz="914400" rtl="0" eaLnBrk="0" fontAlgn="base" latinLnBrk="0" hangingPunct="0">
+              <a:lnSpc>
+                <a:spcPct val="100000"/>
+              </a:lnSpc>
+              <a:spcBef>
+                <a:spcPct val="0"/>
+              </a:spcBef>
+              <a:spcAft>
+                <a:spcPct val="0"/>
+              </a:spcAft>
+              <a:buClrTx/>
+              <a:buSzTx/>
+              <a:buFontTx/>
+              <a:buNone/>
+              <a:tabLst/>
+            </a:pPr>
+            <a:r>
+              <a:rPr kumimoji="0" lang="en-US" sz="1600" b="0" i="0" u="none" strike="noStrike" cap="none" normalizeH="0" baseline="0" dirty="0" smtClean="0">
+                <a:ln>
+                  <a:noFill/>
+                </a:ln>
+                <a:solidFill>
+                  <a:schemeClr val="tx1"/>
+                </a:solidFill>
+                <a:effectLst/>
+                <a:latin typeface="Arial" charset="0"/>
+              </a:rPr>
+              <a:t>This is what we do</a:t>
+            </a:r>
+            <a:endParaRPr kumimoji="0" lang="en-US" sz="1600" b="0" i="0" u="none" strike="noStrike" cap="none" normalizeH="0" baseline="0" dirty="0" smtClean="0">
+              <a:ln>
+                <a:noFill/>
+              </a:ln>
+              <a:solidFill>
+                <a:schemeClr val="tx1"/>
+              </a:solidFill>
+              <a:effectLst/>
+              <a:latin typeface="Arial" charset="0"/>
+            </a:endParaRPr>
+          </a:p>
+        </p:txBody>
+      </p:sp>
     </p:spTree>
     <p:extLst>
       <p:ext uri="{BB962C8B-B14F-4D97-AF65-F5344CB8AC3E}">
